--- a/Figures/Dist3/Dist3_temp2.pptx
+++ b/Figures/Dist3/Dist3_temp2.pptx
@@ -243,7 +243,7 @@
           <a:p>
             <a:fld id="{D3A6B123-D7EF-4E83-BA9B-DCD733485001}" type="datetimeFigureOut">
               <a:rPr lang="en-US" smtClean="0"/>
-              <a:t>12/13/2016</a:t>
+              <a:t>12/16/2016</a:t>
             </a:fld>
             <a:endParaRPr lang="en-US"/>
           </a:p>
@@ -413,7 +413,7 @@
           <a:p>
             <a:fld id="{D3A6B123-D7EF-4E83-BA9B-DCD733485001}" type="datetimeFigureOut">
               <a:rPr lang="en-US" smtClean="0"/>
-              <a:t>12/13/2016</a:t>
+              <a:t>12/16/2016</a:t>
             </a:fld>
             <a:endParaRPr lang="en-US"/>
           </a:p>
@@ -593,7 +593,7 @@
           <a:p>
             <a:fld id="{D3A6B123-D7EF-4E83-BA9B-DCD733485001}" type="datetimeFigureOut">
               <a:rPr lang="en-US" smtClean="0"/>
-              <a:t>12/13/2016</a:t>
+              <a:t>12/16/2016</a:t>
             </a:fld>
             <a:endParaRPr lang="en-US"/>
           </a:p>
@@ -763,7 +763,7 @@
           <a:p>
             <a:fld id="{D3A6B123-D7EF-4E83-BA9B-DCD733485001}" type="datetimeFigureOut">
               <a:rPr lang="en-US" smtClean="0"/>
-              <a:t>12/13/2016</a:t>
+              <a:t>12/16/2016</a:t>
             </a:fld>
             <a:endParaRPr lang="en-US"/>
           </a:p>
@@ -1007,7 +1007,7 @@
           <a:p>
             <a:fld id="{D3A6B123-D7EF-4E83-BA9B-DCD733485001}" type="datetimeFigureOut">
               <a:rPr lang="en-US" smtClean="0"/>
-              <a:t>12/13/2016</a:t>
+              <a:t>12/16/2016</a:t>
             </a:fld>
             <a:endParaRPr lang="en-US"/>
           </a:p>
@@ -1239,7 +1239,7 @@
           <a:p>
             <a:fld id="{D3A6B123-D7EF-4E83-BA9B-DCD733485001}" type="datetimeFigureOut">
               <a:rPr lang="en-US" smtClean="0"/>
-              <a:t>12/13/2016</a:t>
+              <a:t>12/16/2016</a:t>
             </a:fld>
             <a:endParaRPr lang="en-US"/>
           </a:p>
@@ -1606,7 +1606,7 @@
           <a:p>
             <a:fld id="{D3A6B123-D7EF-4E83-BA9B-DCD733485001}" type="datetimeFigureOut">
               <a:rPr lang="en-US" smtClean="0"/>
-              <a:t>12/13/2016</a:t>
+              <a:t>12/16/2016</a:t>
             </a:fld>
             <a:endParaRPr lang="en-US"/>
           </a:p>
@@ -1724,7 +1724,7 @@
           <a:p>
             <a:fld id="{D3A6B123-D7EF-4E83-BA9B-DCD733485001}" type="datetimeFigureOut">
               <a:rPr lang="en-US" smtClean="0"/>
-              <a:t>12/13/2016</a:t>
+              <a:t>12/16/2016</a:t>
             </a:fld>
             <a:endParaRPr lang="en-US"/>
           </a:p>
@@ -1819,7 +1819,7 @@
           <a:p>
             <a:fld id="{D3A6B123-D7EF-4E83-BA9B-DCD733485001}" type="datetimeFigureOut">
               <a:rPr lang="en-US" smtClean="0"/>
-              <a:t>12/13/2016</a:t>
+              <a:t>12/16/2016</a:t>
             </a:fld>
             <a:endParaRPr lang="en-US"/>
           </a:p>
@@ -2096,7 +2096,7 @@
           <a:p>
             <a:fld id="{D3A6B123-D7EF-4E83-BA9B-DCD733485001}" type="datetimeFigureOut">
               <a:rPr lang="en-US" smtClean="0"/>
-              <a:t>12/13/2016</a:t>
+              <a:t>12/16/2016</a:t>
             </a:fld>
             <a:endParaRPr lang="en-US"/>
           </a:p>
@@ -2353,7 +2353,7 @@
           <a:p>
             <a:fld id="{D3A6B123-D7EF-4E83-BA9B-DCD733485001}" type="datetimeFigureOut">
               <a:rPr lang="en-US" smtClean="0"/>
-              <a:t>12/13/2016</a:t>
+              <a:t>12/16/2016</a:t>
             </a:fld>
             <a:endParaRPr lang="en-US"/>
           </a:p>
@@ -2566,7 +2566,7 @@
           <a:p>
             <a:fld id="{D3A6B123-D7EF-4E83-BA9B-DCD733485001}" type="datetimeFigureOut">
               <a:rPr lang="en-US" smtClean="0"/>
-              <a:t>12/13/2016</a:t>
+              <a:t>12/16/2016</a:t>
             </a:fld>
             <a:endParaRPr lang="en-US"/>
           </a:p>
@@ -2984,40 +2984,6 @@
           </p:nvPr>
         </p:nvPicPr>
         <p:blipFill>
-          <a:blip r:embed="rId29">
-            <a:extLst>
-              <a:ext uri="{28A0092B-C50C-407E-A947-70E740481C1C}">
-                <a14:useLocalDpi xmlns:a14="http://schemas.microsoft.com/office/drawing/2010/main" val="0"/>
-              </a:ext>
-            </a:extLst>
-          </a:blip>
-          <a:stretch>
-            <a:fillRect/>
-          </a:stretch>
-        </p:blipFill>
-        <p:spPr>
-          <a:xfrm>
-            <a:off x="2659980" y="1252221"/>
-            <a:ext cx="1514667" cy="357333"/>
-          </a:xfrm>
-          <a:prstGeom prst="rect">
-            <a:avLst/>
-          </a:prstGeom>
-        </p:spPr>
-      </p:pic>
-      <p:pic>
-        <p:nvPicPr>
-          <p:cNvPr id="56" name="Picture 55"/>
-          <p:cNvPicPr>
-            <a:picLocks noChangeAspect="1"/>
-          </p:cNvPicPr>
-          <p:nvPr>
-            <p:custDataLst>
-              <p:tags r:id="rId2"/>
-            </p:custDataLst>
-          </p:nvPr>
-        </p:nvPicPr>
-        <p:blipFill>
           <a:blip r:embed="rId30">
             <a:extLst>
               <a:ext uri="{28A0092B-C50C-407E-A947-70E740481C1C}">
@@ -3031,8 +2997,8 @@
         </p:blipFill>
         <p:spPr>
           <a:xfrm>
-            <a:off x="4407805" y="1253068"/>
-            <a:ext cx="1229333" cy="357333"/>
+            <a:off x="2659980" y="1252221"/>
+            <a:ext cx="1514667" cy="357333"/>
           </a:xfrm>
           <a:prstGeom prst="rect">
             <a:avLst/>
@@ -3041,13 +3007,13 @@
       </p:pic>
       <p:pic>
         <p:nvPicPr>
-          <p:cNvPr id="57" name="Picture 56"/>
+          <p:cNvPr id="56" name="Picture 55"/>
           <p:cNvPicPr>
             <a:picLocks noChangeAspect="1"/>
           </p:cNvPicPr>
           <p:nvPr>
             <p:custDataLst>
-              <p:tags r:id="rId3"/>
+              <p:tags r:id="rId2"/>
             </p:custDataLst>
           </p:nvPr>
         </p:nvPicPr>
@@ -3065,8 +3031,8 @@
         </p:blipFill>
         <p:spPr>
           <a:xfrm>
-            <a:off x="5951820" y="1252221"/>
-            <a:ext cx="1514667" cy="357333"/>
+            <a:off x="4407805" y="1253068"/>
+            <a:ext cx="1229333" cy="357333"/>
           </a:xfrm>
           <a:prstGeom prst="rect">
             <a:avLst/>
@@ -3075,13 +3041,13 @@
       </p:pic>
       <p:pic>
         <p:nvPicPr>
-          <p:cNvPr id="58" name="Picture 57"/>
+          <p:cNvPr id="57" name="Picture 56"/>
           <p:cNvPicPr>
             <a:picLocks noChangeAspect="1"/>
           </p:cNvPicPr>
           <p:nvPr>
             <p:custDataLst>
-              <p:tags r:id="rId4"/>
+              <p:tags r:id="rId3"/>
             </p:custDataLst>
           </p:nvPr>
         </p:nvPicPr>
@@ -3099,8 +3065,8 @@
         </p:blipFill>
         <p:spPr>
           <a:xfrm>
-            <a:off x="7699639" y="1258539"/>
-            <a:ext cx="1240000" cy="357333"/>
+            <a:off x="5951820" y="1252221"/>
+            <a:ext cx="1514667" cy="357333"/>
           </a:xfrm>
           <a:prstGeom prst="rect">
             <a:avLst/>
@@ -3109,13 +3075,13 @@
       </p:pic>
       <p:pic>
         <p:nvPicPr>
-          <p:cNvPr id="59" name="Picture 58"/>
+          <p:cNvPr id="58" name="Picture 57"/>
           <p:cNvPicPr>
             <a:picLocks noChangeAspect="1"/>
           </p:cNvPicPr>
           <p:nvPr>
             <p:custDataLst>
-              <p:tags r:id="rId5"/>
+              <p:tags r:id="rId4"/>
             </p:custDataLst>
           </p:nvPr>
         </p:nvPicPr>
@@ -3133,8 +3099,8 @@
         </p:blipFill>
         <p:spPr>
           <a:xfrm>
-            <a:off x="12280217" y="1247109"/>
-            <a:ext cx="1248000" cy="357333"/>
+            <a:off x="7699639" y="1258539"/>
+            <a:ext cx="1240000" cy="357333"/>
           </a:xfrm>
           <a:prstGeom prst="rect">
             <a:avLst/>
@@ -3143,13 +3109,13 @@
       </p:pic>
       <p:pic>
         <p:nvPicPr>
-          <p:cNvPr id="60" name="Picture 59"/>
+          <p:cNvPr id="59" name="Picture 58"/>
           <p:cNvPicPr>
             <a:picLocks noChangeAspect="1"/>
           </p:cNvPicPr>
           <p:nvPr>
             <p:custDataLst>
-              <p:tags r:id="rId6"/>
+              <p:tags r:id="rId5"/>
             </p:custDataLst>
           </p:nvPr>
         </p:nvPicPr>
@@ -3167,8 +3133,8 @@
         </p:blipFill>
         <p:spPr>
           <a:xfrm>
-            <a:off x="13932106" y="1258539"/>
-            <a:ext cx="1242667" cy="357333"/>
+            <a:off x="12280217" y="1247109"/>
+            <a:ext cx="1248000" cy="357333"/>
           </a:xfrm>
           <a:prstGeom prst="rect">
             <a:avLst/>
@@ -3177,13 +3143,13 @@
       </p:pic>
       <p:pic>
         <p:nvPicPr>
-          <p:cNvPr id="61" name="Picture 60"/>
+          <p:cNvPr id="60" name="Picture 59"/>
           <p:cNvPicPr>
             <a:picLocks noChangeAspect="1"/>
           </p:cNvPicPr>
           <p:nvPr>
             <p:custDataLst>
-              <p:tags r:id="rId7"/>
+              <p:tags r:id="rId6"/>
             </p:custDataLst>
           </p:nvPr>
         </p:nvPicPr>
@@ -3201,7 +3167,7 @@
         </p:blipFill>
         <p:spPr>
           <a:xfrm>
-            <a:off x="15579234" y="1258539"/>
+            <a:off x="13932106" y="1258539"/>
             <a:ext cx="1242667" cy="357333"/>
           </a:xfrm>
           <a:prstGeom prst="rect">
@@ -3211,13 +3177,13 @@
       </p:pic>
       <p:pic>
         <p:nvPicPr>
-          <p:cNvPr id="62" name="Picture 61"/>
+          <p:cNvPr id="61" name="Picture 60"/>
           <p:cNvPicPr>
             <a:picLocks noChangeAspect="1"/>
           </p:cNvPicPr>
           <p:nvPr>
             <p:custDataLst>
-              <p:tags r:id="rId8"/>
+              <p:tags r:id="rId7"/>
             </p:custDataLst>
           </p:nvPr>
         </p:nvPicPr>
@@ -3235,8 +3201,8 @@
         </p:blipFill>
         <p:spPr>
           <a:xfrm>
-            <a:off x="17160199" y="1258539"/>
-            <a:ext cx="1421333" cy="357333"/>
+            <a:off x="15579234" y="1258539"/>
+            <a:ext cx="1242667" cy="357333"/>
           </a:xfrm>
           <a:prstGeom prst="rect">
             <a:avLst/>
@@ -3245,13 +3211,13 @@
       </p:pic>
       <p:pic>
         <p:nvPicPr>
-          <p:cNvPr id="65" name="Picture 64"/>
+          <p:cNvPr id="62" name="Picture 61"/>
           <p:cNvPicPr>
             <a:picLocks noChangeAspect="1"/>
           </p:cNvPicPr>
           <p:nvPr>
             <p:custDataLst>
-              <p:tags r:id="rId9"/>
+              <p:tags r:id="rId8"/>
             </p:custDataLst>
           </p:nvPr>
         </p:nvPicPr>
@@ -3269,8 +3235,8 @@
         </p:blipFill>
         <p:spPr>
           <a:xfrm>
-            <a:off x="2237669" y="3835309"/>
-            <a:ext cx="152000" cy="245333"/>
+            <a:off x="17160199" y="1258539"/>
+            <a:ext cx="1421333" cy="357333"/>
           </a:xfrm>
           <a:prstGeom prst="rect">
             <a:avLst/>
@@ -3279,13 +3245,13 @@
       </p:pic>
       <p:pic>
         <p:nvPicPr>
-          <p:cNvPr id="64" name="Picture 63"/>
+          <p:cNvPr id="65" name="Picture 64"/>
           <p:cNvPicPr>
             <a:picLocks noChangeAspect="1"/>
           </p:cNvPicPr>
           <p:nvPr>
             <p:custDataLst>
-              <p:tags r:id="rId10"/>
+              <p:tags r:id="rId9"/>
             </p:custDataLst>
           </p:nvPr>
         </p:nvPicPr>
@@ -3303,8 +3269,8 @@
         </p:blipFill>
         <p:spPr>
           <a:xfrm>
-            <a:off x="2255233" y="2646654"/>
-            <a:ext cx="216000" cy="242667"/>
+            <a:off x="2237669" y="3835309"/>
+            <a:ext cx="152000" cy="245333"/>
           </a:xfrm>
           <a:prstGeom prst="rect">
             <a:avLst/>
@@ -3313,13 +3279,13 @@
       </p:pic>
       <p:pic>
         <p:nvPicPr>
-          <p:cNvPr id="66" name="Picture 65"/>
+          <p:cNvPr id="64" name="Picture 63"/>
           <p:cNvPicPr>
             <a:picLocks noChangeAspect="1"/>
           </p:cNvPicPr>
           <p:nvPr>
             <p:custDataLst>
-              <p:tags r:id="rId11"/>
+              <p:tags r:id="rId10"/>
             </p:custDataLst>
           </p:nvPr>
         </p:nvPicPr>
@@ -3337,8 +3303,8 @@
         </p:blipFill>
         <p:spPr>
           <a:xfrm>
-            <a:off x="2046382" y="4946665"/>
-            <a:ext cx="474667" cy="242667"/>
+            <a:off x="2255233" y="2646654"/>
+            <a:ext cx="216000" cy="242667"/>
           </a:xfrm>
           <a:prstGeom prst="rect">
             <a:avLst/>
@@ -3347,13 +3313,13 @@
       </p:pic>
       <p:pic>
         <p:nvPicPr>
-          <p:cNvPr id="67" name="Picture 66"/>
+          <p:cNvPr id="66" name="Picture 65"/>
           <p:cNvPicPr>
             <a:picLocks noChangeAspect="1"/>
           </p:cNvPicPr>
           <p:nvPr>
             <p:custDataLst>
-              <p:tags r:id="rId12"/>
+              <p:tags r:id="rId11"/>
             </p:custDataLst>
           </p:nvPr>
         </p:nvPicPr>
@@ -3371,6 +3337,40 @@
         </p:blipFill>
         <p:spPr>
           <a:xfrm>
+            <a:off x="2046382" y="4946665"/>
+            <a:ext cx="474667" cy="242667"/>
+          </a:xfrm>
+          <a:prstGeom prst="rect">
+            <a:avLst/>
+          </a:prstGeom>
+        </p:spPr>
+      </p:pic>
+      <p:pic>
+        <p:nvPicPr>
+          <p:cNvPr id="67" name="Picture 66"/>
+          <p:cNvPicPr>
+            <a:picLocks noChangeAspect="1"/>
+          </p:cNvPicPr>
+          <p:nvPr>
+            <p:custDataLst>
+              <p:tags r:id="rId12"/>
+            </p:custDataLst>
+          </p:nvPr>
+        </p:nvPicPr>
+        <p:blipFill>
+          <a:blip r:embed="rId41">
+            <a:extLst>
+              <a:ext uri="{28A0092B-C50C-407E-A947-70E740481C1C}">
+                <a14:useLocalDpi xmlns:a14="http://schemas.microsoft.com/office/drawing/2010/main" val="0"/>
+              </a:ext>
+            </a:extLst>
+          </a:blip>
+          <a:stretch>
+            <a:fillRect/>
+          </a:stretch>
+        </p:blipFill>
+        <p:spPr>
+          <a:xfrm>
             <a:off x="1916272" y="6065765"/>
             <a:ext cx="650667" cy="242667"/>
           </a:xfrm>
@@ -3392,7 +3392,7 @@
           </p:nvPr>
         </p:nvPicPr>
         <p:blipFill>
-          <a:blip r:embed="rId41">
+          <a:blip r:embed="rId42">
             <a:extLst>
               <a:ext uri="{28A0092B-C50C-407E-A947-70E740481C1C}">
                 <a14:useLocalDpi xmlns:a14="http://schemas.microsoft.com/office/drawing/2010/main" val="0"/>
@@ -3615,7 +3615,7 @@
           </p:nvPr>
         </p:nvPicPr>
         <p:blipFill>
-          <a:blip r:embed="rId38">
+          <a:blip r:embed="rId39">
             <a:extLst>
               <a:ext uri="{28A0092B-C50C-407E-A947-70E740481C1C}">
                 <a14:useLocalDpi xmlns:a14="http://schemas.microsoft.com/office/drawing/2010/main" val="0"/>
@@ -3638,36 +3638,32 @@
       </p:pic>
       <p:pic>
         <p:nvPicPr>
-          <p:cNvPr id="87" name="Content Placeholder 3"/>
+          <p:cNvPr id="53" name="Picture 52"/>
           <p:cNvPicPr>
             <a:picLocks noChangeAspect="1"/>
           </p:cNvPicPr>
-          <p:nvPr/>
+          <p:nvPr>
+            <p:custDataLst>
+              <p:tags r:id="rId15"/>
+            </p:custDataLst>
+          </p:nvPr>
         </p:nvPicPr>
-        <p:blipFill rotWithShape="1">
-          <a:blip r:embed="rId42">
+        <p:blipFill>
+          <a:blip r:embed="rId43">
             <a:extLst>
-              <a:ext uri="{BEBA8EAE-BF5A-486C-A8C5-ECC9F3942E4B}">
-                <a14:imgProps xmlns:a14="http://schemas.microsoft.com/office/drawing/2010/main">
-                  <a14:imgLayer r:embed="rId43">
-                    <a14:imgEffect>
-                      <a14:backgroundRemoval t="75268" b="88704" l="13777" r="94062"/>
-                    </a14:imgEffect>
-                  </a14:imgLayer>
-                </a14:imgProps>
-              </a:ext>
               <a:ext uri="{28A0092B-C50C-407E-A947-70E740481C1C}">
                 <a14:useLocalDpi xmlns:a14="http://schemas.microsoft.com/office/drawing/2010/main" val="0"/>
               </a:ext>
             </a:extLst>
           </a:blip>
-          <a:srcRect l="13269" t="74206" r="4523" b="10908"/>
-          <a:stretch/>
+          <a:stretch>
+            <a:fillRect/>
+          </a:stretch>
         </p:blipFill>
         <p:spPr>
           <a:xfrm>
-            <a:off x="15316200" y="11359256"/>
-            <a:ext cx="3581400" cy="647701"/>
+            <a:off x="12796219" y="11515899"/>
+            <a:ext cx="2410667" cy="872000"/>
           </a:xfrm>
           <a:prstGeom prst="rect">
             <a:avLst/>
@@ -3676,13 +3672,13 @@
       </p:pic>
       <p:pic>
         <p:nvPicPr>
-          <p:cNvPr id="53" name="Picture 52"/>
+          <p:cNvPr id="49" name="Picture 48"/>
           <p:cNvPicPr>
             <a:picLocks noChangeAspect="1"/>
           </p:cNvPicPr>
           <p:nvPr>
             <p:custDataLst>
-              <p:tags r:id="rId15"/>
+              <p:tags r:id="rId16"/>
             </p:custDataLst>
           </p:nvPr>
         </p:nvPicPr>
@@ -3700,8 +3696,8 @@
         </p:blipFill>
         <p:spPr>
           <a:xfrm>
-            <a:off x="12796219" y="11515899"/>
-            <a:ext cx="2410667" cy="872000"/>
+            <a:off x="399384" y="8985433"/>
+            <a:ext cx="1536000" cy="357333"/>
           </a:xfrm>
           <a:prstGeom prst="rect">
             <a:avLst/>
@@ -3710,41 +3706,7 @@
       </p:pic>
       <p:pic>
         <p:nvPicPr>
-          <p:cNvPr id="89" name="Picture 88"/>
-          <p:cNvPicPr>
-            <a:picLocks noChangeAspect="1"/>
-          </p:cNvPicPr>
-          <p:nvPr>
-            <p:custDataLst>
-              <p:tags r:id="rId16"/>
-            </p:custDataLst>
-          </p:nvPr>
-        </p:nvPicPr>
-        <p:blipFill>
-          <a:blip r:embed="rId37">
-            <a:extLst>
-              <a:ext uri="{28A0092B-C50C-407E-A947-70E740481C1C}">
-                <a14:useLocalDpi xmlns:a14="http://schemas.microsoft.com/office/drawing/2010/main" val="0"/>
-              </a:ext>
-            </a:extLst>
-          </a:blip>
-          <a:stretch>
-            <a:fillRect/>
-          </a:stretch>
-        </p:blipFill>
-        <p:spPr>
-          <a:xfrm>
-            <a:off x="15430340" y="11695409"/>
-            <a:ext cx="108571" cy="175238"/>
-          </a:xfrm>
-          <a:prstGeom prst="rect">
-            <a:avLst/>
-          </a:prstGeom>
-        </p:spPr>
-      </p:pic>
-      <p:pic>
-        <p:nvPicPr>
-          <p:cNvPr id="90" name="Picture 89"/>
+          <p:cNvPr id="48" name="Picture 47"/>
           <p:cNvPicPr>
             <a:picLocks noChangeAspect="1"/>
           </p:cNvPicPr>
@@ -3768,8 +3730,8 @@
         </p:blipFill>
         <p:spPr>
           <a:xfrm>
-            <a:off x="18534545" y="11695409"/>
-            <a:ext cx="300952" cy="175238"/>
+            <a:off x="402336" y="3781467"/>
+            <a:ext cx="1149333" cy="330667"/>
           </a:xfrm>
           <a:prstGeom prst="rect">
             <a:avLst/>
@@ -3778,17 +3740,13 @@
       </p:pic>
       <p:pic>
         <p:nvPicPr>
-          <p:cNvPr id="91" name="Picture 90"/>
+          <p:cNvPr id="130" name="Picture 129"/>
           <p:cNvPicPr>
             <a:picLocks noChangeAspect="1"/>
           </p:cNvPicPr>
-          <p:nvPr>
-            <p:custDataLst>
-              <p:tags r:id="rId18"/>
-            </p:custDataLst>
-          </p:nvPr>
+          <p:nvPr/>
         </p:nvPicPr>
-        <p:blipFill>
+        <p:blipFill rotWithShape="1">
           <a:blip r:embed="rId46">
             <a:extLst>
               <a:ext uri="{28A0092B-C50C-407E-A947-70E740481C1C}">
@@ -3796,14 +3754,13 @@
               </a:ext>
             </a:extLst>
           </a:blip>
-          <a:stretch>
-            <a:fillRect/>
-          </a:stretch>
+          <a:srcRect l="13086" t="8860" r="8967" b="21588"/>
+          <a:stretch/>
         </p:blipFill>
         <p:spPr>
           <a:xfrm>
-            <a:off x="16853558" y="11706844"/>
-            <a:ext cx="426667" cy="177143"/>
+            <a:off x="2679192" y="6887719"/>
+            <a:ext cx="1554480" cy="4487461"/>
           </a:xfrm>
           <a:prstGeom prst="rect">
             <a:avLst/>
@@ -3812,17 +3769,13 @@
       </p:pic>
       <p:pic>
         <p:nvPicPr>
-          <p:cNvPr id="49" name="Picture 48"/>
+          <p:cNvPr id="131" name="Picture 130"/>
           <p:cNvPicPr>
             <a:picLocks noChangeAspect="1"/>
           </p:cNvPicPr>
-          <p:nvPr>
-            <p:custDataLst>
-              <p:tags r:id="rId19"/>
-            </p:custDataLst>
-          </p:nvPr>
+          <p:nvPr/>
         </p:nvPicPr>
-        <p:blipFill>
+        <p:blipFill rotWithShape="1">
           <a:blip r:embed="rId47">
             <a:extLst>
               <a:ext uri="{28A0092B-C50C-407E-A947-70E740481C1C}">
@@ -3830,14 +3783,13 @@
               </a:ext>
             </a:extLst>
           </a:blip>
-          <a:stretch>
-            <a:fillRect/>
-          </a:stretch>
+          <a:srcRect l="13086" t="8405" r="8967" b="22043"/>
+          <a:stretch/>
         </p:blipFill>
         <p:spPr>
           <a:xfrm>
-            <a:off x="399384" y="8985433"/>
-            <a:ext cx="1536000" cy="357333"/>
+            <a:off x="4325112" y="6887719"/>
+            <a:ext cx="1554480" cy="4487461"/>
           </a:xfrm>
           <a:prstGeom prst="rect">
             <a:avLst/>
@@ -3846,17 +3798,13 @@
       </p:pic>
       <p:pic>
         <p:nvPicPr>
-          <p:cNvPr id="48" name="Picture 47"/>
+          <p:cNvPr id="132" name="Picture 131"/>
           <p:cNvPicPr>
             <a:picLocks noChangeAspect="1"/>
           </p:cNvPicPr>
-          <p:nvPr>
-            <p:custDataLst>
-              <p:tags r:id="rId20"/>
-            </p:custDataLst>
-          </p:nvPr>
+          <p:nvPr/>
         </p:nvPicPr>
-        <p:blipFill>
+        <p:blipFill rotWithShape="1">
           <a:blip r:embed="rId48">
             <a:extLst>
               <a:ext uri="{28A0092B-C50C-407E-A947-70E740481C1C}">
@@ -3864,14 +3812,13 @@
               </a:ext>
             </a:extLst>
           </a:blip>
-          <a:stretch>
-            <a:fillRect/>
-          </a:stretch>
+          <a:srcRect l="13086" t="8405" r="8967" b="22043"/>
+          <a:stretch/>
         </p:blipFill>
         <p:spPr>
           <a:xfrm>
-            <a:off x="402336" y="3781467"/>
-            <a:ext cx="1149333" cy="330667"/>
+            <a:off x="5971032" y="6887719"/>
+            <a:ext cx="1554480" cy="4487461"/>
           </a:xfrm>
           <a:prstGeom prst="rect">
             <a:avLst/>
@@ -3880,7 +3827,7 @@
       </p:pic>
       <p:pic>
         <p:nvPicPr>
-          <p:cNvPr id="130" name="Picture 129"/>
+          <p:cNvPr id="133" name="Picture 132"/>
           <p:cNvPicPr>
             <a:picLocks noChangeAspect="1"/>
           </p:cNvPicPr>
@@ -3894,12 +3841,12 @@
               </a:ext>
             </a:extLst>
           </a:blip>
-          <a:srcRect l="13086" t="8860" r="8967" b="21588"/>
+          <a:srcRect l="13086" t="8405" r="8967" b="22043"/>
           <a:stretch/>
         </p:blipFill>
         <p:spPr>
           <a:xfrm>
-            <a:off x="2679192" y="6887719"/>
+            <a:off x="7616952" y="6887719"/>
             <a:ext cx="1554480" cy="4487461"/>
           </a:xfrm>
           <a:prstGeom prst="rect">
@@ -3909,7 +3856,7 @@
       </p:pic>
       <p:pic>
         <p:nvPicPr>
-          <p:cNvPr id="131" name="Picture 130"/>
+          <p:cNvPr id="136" name="Picture 135"/>
           <p:cNvPicPr>
             <a:picLocks noChangeAspect="1"/>
           </p:cNvPicPr>
@@ -3928,7 +3875,7 @@
         </p:blipFill>
         <p:spPr>
           <a:xfrm>
-            <a:off x="4325112" y="6887719"/>
+            <a:off x="12195048" y="6887719"/>
             <a:ext cx="1554480" cy="4487461"/>
           </a:xfrm>
           <a:prstGeom prst="rect">
@@ -3938,7 +3885,7 @@
       </p:pic>
       <p:pic>
         <p:nvPicPr>
-          <p:cNvPr id="132" name="Picture 131"/>
+          <p:cNvPr id="137" name="Picture 136"/>
           <p:cNvPicPr>
             <a:picLocks noChangeAspect="1"/>
           </p:cNvPicPr>
@@ -3957,7 +3904,7 @@
         </p:blipFill>
         <p:spPr>
           <a:xfrm>
-            <a:off x="5971032" y="6887719"/>
+            <a:off x="13850112" y="6887719"/>
             <a:ext cx="1554480" cy="4487461"/>
           </a:xfrm>
           <a:prstGeom prst="rect">
@@ -3967,7 +3914,7 @@
       </p:pic>
       <p:pic>
         <p:nvPicPr>
-          <p:cNvPr id="133" name="Picture 132"/>
+          <p:cNvPr id="140" name="Picture 139"/>
           <p:cNvPicPr>
             <a:picLocks noChangeAspect="1"/>
           </p:cNvPicPr>
@@ -3986,7 +3933,7 @@
         </p:blipFill>
         <p:spPr>
           <a:xfrm>
-            <a:off x="7616952" y="6887719"/>
+            <a:off x="2679192" y="1703071"/>
             <a:ext cx="1554480" cy="4487461"/>
           </a:xfrm>
           <a:prstGeom prst="rect">
@@ -3996,7 +3943,7 @@
       </p:pic>
       <p:pic>
         <p:nvPicPr>
-          <p:cNvPr id="136" name="Picture 135"/>
+          <p:cNvPr id="141" name="Picture 140"/>
           <p:cNvPicPr>
             <a:picLocks noChangeAspect="1"/>
           </p:cNvPicPr>
@@ -4010,12 +3957,12 @@
               </a:ext>
             </a:extLst>
           </a:blip>
-          <a:srcRect l="13086" t="8405" r="8967" b="22043"/>
+          <a:srcRect l="13085" t="8405" r="8967" b="22043"/>
           <a:stretch/>
         </p:blipFill>
         <p:spPr>
           <a:xfrm>
-            <a:off x="12195048" y="6887719"/>
+            <a:off x="4325112" y="1703071"/>
             <a:ext cx="1554480" cy="4487461"/>
           </a:xfrm>
           <a:prstGeom prst="rect">
@@ -4025,7 +3972,7 @@
       </p:pic>
       <p:pic>
         <p:nvPicPr>
-          <p:cNvPr id="137" name="Picture 136"/>
+          <p:cNvPr id="142" name="Picture 141"/>
           <p:cNvPicPr>
             <a:picLocks noChangeAspect="1"/>
           </p:cNvPicPr>
@@ -4044,8 +3991,8 @@
         </p:blipFill>
         <p:spPr>
           <a:xfrm>
-            <a:off x="13850112" y="6887719"/>
-            <a:ext cx="1554480" cy="4487461"/>
+            <a:off x="5971032" y="1703070"/>
+            <a:ext cx="1554480" cy="4487462"/>
           </a:xfrm>
           <a:prstGeom prst="rect">
             <a:avLst/>
@@ -4054,7 +4001,7 @@
       </p:pic>
       <p:pic>
         <p:nvPicPr>
-          <p:cNvPr id="140" name="Picture 139"/>
+          <p:cNvPr id="143" name="Picture 142"/>
           <p:cNvPicPr>
             <a:picLocks noChangeAspect="1"/>
           </p:cNvPicPr>
@@ -4073,7 +4020,7 @@
         </p:blipFill>
         <p:spPr>
           <a:xfrm>
-            <a:off x="2679192" y="1703071"/>
+            <a:off x="7616952" y="1703071"/>
             <a:ext cx="1554480" cy="4487461"/>
           </a:xfrm>
           <a:prstGeom prst="rect">
@@ -4083,7 +4030,7 @@
       </p:pic>
       <p:pic>
         <p:nvPicPr>
-          <p:cNvPr id="141" name="Picture 140"/>
+          <p:cNvPr id="146" name="Picture 145"/>
           <p:cNvPicPr>
             <a:picLocks noChangeAspect="1"/>
           </p:cNvPicPr>
@@ -4097,12 +4044,12 @@
               </a:ext>
             </a:extLst>
           </a:blip>
-          <a:srcRect l="13085" t="8405" r="8967" b="22043"/>
+          <a:srcRect l="13086" t="8405" r="8967" b="22043"/>
           <a:stretch/>
         </p:blipFill>
         <p:spPr>
           <a:xfrm>
-            <a:off x="4325112" y="1703071"/>
+            <a:off x="13850112" y="1703071"/>
             <a:ext cx="1554480" cy="4487461"/>
           </a:xfrm>
           <a:prstGeom prst="rect">
@@ -4112,7 +4059,7 @@
       </p:pic>
       <p:pic>
         <p:nvPicPr>
-          <p:cNvPr id="142" name="Picture 141"/>
+          <p:cNvPr id="147" name="Picture 146"/>
           <p:cNvPicPr>
             <a:picLocks noChangeAspect="1"/>
           </p:cNvPicPr>
@@ -4131,8 +4078,8 @@
         </p:blipFill>
         <p:spPr>
           <a:xfrm>
-            <a:off x="5971032" y="1703070"/>
-            <a:ext cx="1554480" cy="4487462"/>
+            <a:off x="15496032" y="1703071"/>
+            <a:ext cx="1554480" cy="4487461"/>
           </a:xfrm>
           <a:prstGeom prst="rect">
             <a:avLst/>
@@ -4141,7 +4088,7 @@
       </p:pic>
       <p:pic>
         <p:nvPicPr>
-          <p:cNvPr id="143" name="Picture 142"/>
+          <p:cNvPr id="148" name="Picture 147"/>
           <p:cNvPicPr>
             <a:picLocks noChangeAspect="1"/>
           </p:cNvPicPr>
@@ -4160,7 +4107,7 @@
         </p:blipFill>
         <p:spPr>
           <a:xfrm>
-            <a:off x="7616952" y="1703071"/>
+            <a:off x="17141952" y="1703071"/>
             <a:ext cx="1554480" cy="4487461"/>
           </a:xfrm>
           <a:prstGeom prst="rect">
@@ -4170,7 +4117,7 @@
       </p:pic>
       <p:pic>
         <p:nvPicPr>
-          <p:cNvPr id="146" name="Picture 145"/>
+          <p:cNvPr id="149" name="Picture 148"/>
           <p:cNvPicPr>
             <a:picLocks noChangeAspect="1"/>
           </p:cNvPicPr>
@@ -4189,7 +4136,7 @@
         </p:blipFill>
         <p:spPr>
           <a:xfrm>
-            <a:off x="13850112" y="1703071"/>
+            <a:off x="15496032" y="6887719"/>
             <a:ext cx="1554480" cy="4487461"/>
           </a:xfrm>
           <a:prstGeom prst="rect">
@@ -4199,7 +4146,7 @@
       </p:pic>
       <p:pic>
         <p:nvPicPr>
-          <p:cNvPr id="147" name="Picture 146"/>
+          <p:cNvPr id="150" name="Picture 149"/>
           <p:cNvPicPr>
             <a:picLocks noChangeAspect="1"/>
           </p:cNvPicPr>
@@ -4218,93 +4165,6 @@
         </p:blipFill>
         <p:spPr>
           <a:xfrm>
-            <a:off x="15496032" y="1703071"/>
-            <a:ext cx="1554480" cy="4487461"/>
-          </a:xfrm>
-          <a:prstGeom prst="rect">
-            <a:avLst/>
-          </a:prstGeom>
-        </p:spPr>
-      </p:pic>
-      <p:pic>
-        <p:nvPicPr>
-          <p:cNvPr id="148" name="Picture 147"/>
-          <p:cNvPicPr>
-            <a:picLocks noChangeAspect="1"/>
-          </p:cNvPicPr>
-          <p:nvPr/>
-        </p:nvPicPr>
-        <p:blipFill rotWithShape="1">
-          <a:blip r:embed="rId61">
-            <a:extLst>
-              <a:ext uri="{28A0092B-C50C-407E-A947-70E740481C1C}">
-                <a14:useLocalDpi xmlns:a14="http://schemas.microsoft.com/office/drawing/2010/main" val="0"/>
-              </a:ext>
-            </a:extLst>
-          </a:blip>
-          <a:srcRect l="13086" t="8405" r="8967" b="22043"/>
-          <a:stretch/>
-        </p:blipFill>
-        <p:spPr>
-          <a:xfrm>
-            <a:off x="17141952" y="1703071"/>
-            <a:ext cx="1554480" cy="4487461"/>
-          </a:xfrm>
-          <a:prstGeom prst="rect">
-            <a:avLst/>
-          </a:prstGeom>
-        </p:spPr>
-      </p:pic>
-      <p:pic>
-        <p:nvPicPr>
-          <p:cNvPr id="149" name="Picture 148"/>
-          <p:cNvPicPr>
-            <a:picLocks noChangeAspect="1"/>
-          </p:cNvPicPr>
-          <p:nvPr/>
-        </p:nvPicPr>
-        <p:blipFill rotWithShape="1">
-          <a:blip r:embed="rId62">
-            <a:extLst>
-              <a:ext uri="{28A0092B-C50C-407E-A947-70E740481C1C}">
-                <a14:useLocalDpi xmlns:a14="http://schemas.microsoft.com/office/drawing/2010/main" val="0"/>
-              </a:ext>
-            </a:extLst>
-          </a:blip>
-          <a:srcRect l="13086" t="8405" r="8967" b="22043"/>
-          <a:stretch/>
-        </p:blipFill>
-        <p:spPr>
-          <a:xfrm>
-            <a:off x="15496032" y="6887719"/>
-            <a:ext cx="1554480" cy="4487461"/>
-          </a:xfrm>
-          <a:prstGeom prst="rect">
-            <a:avLst/>
-          </a:prstGeom>
-        </p:spPr>
-      </p:pic>
-      <p:pic>
-        <p:nvPicPr>
-          <p:cNvPr id="150" name="Picture 149"/>
-          <p:cNvPicPr>
-            <a:picLocks noChangeAspect="1"/>
-          </p:cNvPicPr>
-          <p:nvPr/>
-        </p:nvPicPr>
-        <p:blipFill rotWithShape="1">
-          <a:blip r:embed="rId63">
-            <a:extLst>
-              <a:ext uri="{28A0092B-C50C-407E-A947-70E740481C1C}">
-                <a14:useLocalDpi xmlns:a14="http://schemas.microsoft.com/office/drawing/2010/main" val="0"/>
-              </a:ext>
-            </a:extLst>
-          </a:blip>
-          <a:srcRect l="13086" t="8405" r="8967" b="22043"/>
-          <a:stretch/>
-        </p:blipFill>
-        <p:spPr>
-          <a:xfrm>
             <a:off x="17141952" y="6887719"/>
             <a:ext cx="1554480" cy="4487461"/>
           </a:xfrm>
@@ -4527,7 +4387,7 @@
         </p:nvSpPr>
         <p:spPr>
           <a:xfrm>
-            <a:off x="9835786" y="3835308"/>
+            <a:off x="9835786" y="3816258"/>
             <a:ext cx="274320" cy="274320"/>
           </a:xfrm>
           <a:prstGeom prst="ellipse">
@@ -4615,12 +4475,12 @@
           </p:cNvPicPr>
           <p:nvPr>
             <p:custDataLst>
-              <p:tags r:id="rId21"/>
+              <p:tags r:id="rId18"/>
             </p:custDataLst>
           </p:nvPr>
         </p:nvPicPr>
         <p:blipFill>
-          <a:blip r:embed="rId64">
+          <a:blip r:embed="rId61">
             <a:extLst>
               <a:ext uri="{28A0092B-C50C-407E-A947-70E740481C1C}">
                 <a14:useLocalDpi xmlns:a14="http://schemas.microsoft.com/office/drawing/2010/main" val="0"/>
@@ -4686,12 +4546,12 @@
           </p:cNvPicPr>
           <p:nvPr>
             <p:custDataLst>
-              <p:tags r:id="rId22"/>
+              <p:tags r:id="rId19"/>
             </p:custDataLst>
           </p:nvPr>
         </p:nvPicPr>
         <p:blipFill>
-          <a:blip r:embed="rId65">
+          <a:blip r:embed="rId62">
             <a:extLst>
               <a:ext uri="{28A0092B-C50C-407E-A947-70E740481C1C}">
                 <a14:useLocalDpi xmlns:a14="http://schemas.microsoft.com/office/drawing/2010/main" val="0"/>
@@ -4876,7 +4736,7 @@
           <p:nvPr/>
         </p:nvPicPr>
         <p:blipFill rotWithShape="1">
-          <a:blip r:embed="rId66">
+          <a:blip r:embed="rId63">
             <a:extLst>
               <a:ext uri="{28A0092B-C50C-407E-A947-70E740481C1C}">
                 <a14:useLocalDpi xmlns:a14="http://schemas.microsoft.com/office/drawing/2010/main" val="0"/>
@@ -5110,7 +4970,7 @@
         </p:nvSpPr>
         <p:spPr>
           <a:xfrm>
-            <a:off x="9318879" y="3581399"/>
+            <a:off x="9318879" y="3562349"/>
             <a:ext cx="1330567" cy="773863"/>
           </a:xfrm>
           <a:prstGeom prst="ellipse">
@@ -5164,8 +5024,8 @@
           <p:nvPr/>
         </p:nvSpPr>
         <p:spPr>
-          <a:xfrm>
-            <a:off x="9844898" y="4234970"/>
+          <a:xfrm flipH="1">
+            <a:off x="9844898" y="4215920"/>
             <a:ext cx="287707" cy="304921"/>
           </a:xfrm>
           <a:prstGeom prst="chevron">
@@ -5668,7 +5528,7 @@
         </p:nvSpPr>
         <p:spPr>
           <a:xfrm>
-            <a:off x="9844898" y="3453920"/>
+            <a:off x="9844898" y="3434870"/>
             <a:ext cx="287707" cy="304921"/>
           </a:xfrm>
           <a:prstGeom prst="chevron">
@@ -5714,41 +5574,7 @@
           </p:cNvPicPr>
           <p:nvPr>
             <p:custDataLst>
-              <p:tags r:id="rId23"/>
-            </p:custDataLst>
-          </p:nvPr>
-        </p:nvPicPr>
-        <p:blipFill>
-          <a:blip r:embed="rId37">
-            <a:extLst>
-              <a:ext uri="{28A0092B-C50C-407E-A947-70E740481C1C}">
-                <a14:useLocalDpi xmlns:a14="http://schemas.microsoft.com/office/drawing/2010/main" val="0"/>
-              </a:ext>
-            </a:extLst>
-          </a:blip>
-          <a:stretch>
-            <a:fillRect/>
-          </a:stretch>
-        </p:blipFill>
-        <p:spPr>
-          <a:xfrm>
-            <a:off x="2237669" y="9042776"/>
-            <a:ext cx="152000" cy="245333"/>
-          </a:xfrm>
-          <a:prstGeom prst="rect">
-            <a:avLst/>
-          </a:prstGeom>
-        </p:spPr>
-      </p:pic>
-      <p:pic>
-        <p:nvPicPr>
-          <p:cNvPr id="195" name="Picture 194"/>
-          <p:cNvPicPr>
-            <a:picLocks noChangeAspect="1"/>
-          </p:cNvPicPr>
-          <p:nvPr>
-            <p:custDataLst>
-              <p:tags r:id="rId24"/>
+              <p:tags r:id="rId20"/>
             </p:custDataLst>
           </p:nvPr>
         </p:nvPicPr>
@@ -5766,8 +5592,8 @@
         </p:blipFill>
         <p:spPr>
           <a:xfrm>
-            <a:off x="2255233" y="7854121"/>
-            <a:ext cx="216000" cy="242667"/>
+            <a:off x="2237669" y="9042776"/>
+            <a:ext cx="152000" cy="245333"/>
           </a:xfrm>
           <a:prstGeom prst="rect">
             <a:avLst/>
@@ -5776,13 +5602,13 @@
       </p:pic>
       <p:pic>
         <p:nvPicPr>
-          <p:cNvPr id="196" name="Picture 195"/>
+          <p:cNvPr id="195" name="Picture 194"/>
           <p:cNvPicPr>
             <a:picLocks noChangeAspect="1"/>
           </p:cNvPicPr>
           <p:nvPr>
             <p:custDataLst>
-              <p:tags r:id="rId25"/>
+              <p:tags r:id="rId21"/>
             </p:custDataLst>
           </p:nvPr>
         </p:nvPicPr>
@@ -5800,8 +5626,8 @@
         </p:blipFill>
         <p:spPr>
           <a:xfrm>
-            <a:off x="2046382" y="10154132"/>
-            <a:ext cx="474667" cy="242667"/>
+            <a:off x="2255233" y="7854121"/>
+            <a:ext cx="216000" cy="242667"/>
           </a:xfrm>
           <a:prstGeom prst="rect">
             <a:avLst/>
@@ -5810,13 +5636,13 @@
       </p:pic>
       <p:pic>
         <p:nvPicPr>
-          <p:cNvPr id="197" name="Picture 196"/>
+          <p:cNvPr id="196" name="Picture 195"/>
           <p:cNvPicPr>
             <a:picLocks noChangeAspect="1"/>
           </p:cNvPicPr>
           <p:nvPr>
             <p:custDataLst>
-              <p:tags r:id="rId26"/>
+              <p:tags r:id="rId22"/>
             </p:custDataLst>
           </p:nvPr>
         </p:nvPicPr>
@@ -5834,8 +5660,8 @@
         </p:blipFill>
         <p:spPr>
           <a:xfrm>
-            <a:off x="1916272" y="11273232"/>
-            <a:ext cx="650667" cy="242667"/>
+            <a:off x="2046382" y="10154132"/>
+            <a:ext cx="474667" cy="242667"/>
           </a:xfrm>
           <a:prstGeom prst="rect">
             <a:avLst/>
@@ -5844,13 +5670,13 @@
       </p:pic>
       <p:pic>
         <p:nvPicPr>
-          <p:cNvPr id="198" name="Picture 197"/>
+          <p:cNvPr id="197" name="Picture 196"/>
           <p:cNvPicPr>
             <a:picLocks noChangeAspect="1"/>
           </p:cNvPicPr>
           <p:nvPr>
             <p:custDataLst>
-              <p:tags r:id="rId27"/>
+              <p:tags r:id="rId23"/>
             </p:custDataLst>
           </p:nvPr>
         </p:nvPicPr>
@@ -5868,8 +5694,216 @@
         </p:blipFill>
         <p:spPr>
           <a:xfrm>
+            <a:off x="1916272" y="11273232"/>
+            <a:ext cx="650667" cy="242667"/>
+          </a:xfrm>
+          <a:prstGeom prst="rect">
+            <a:avLst/>
+          </a:prstGeom>
+        </p:spPr>
+      </p:pic>
+      <p:pic>
+        <p:nvPicPr>
+          <p:cNvPr id="198" name="Picture 197"/>
+          <p:cNvPicPr>
+            <a:picLocks noChangeAspect="1"/>
+          </p:cNvPicPr>
+          <p:nvPr>
+            <p:custDataLst>
+              <p:tags r:id="rId24"/>
+            </p:custDataLst>
+          </p:nvPr>
+        </p:nvPicPr>
+        <p:blipFill>
+          <a:blip r:embed="rId42">
+            <a:extLst>
+              <a:ext uri="{28A0092B-C50C-407E-A947-70E740481C1C}">
+                <a14:useLocalDpi xmlns:a14="http://schemas.microsoft.com/office/drawing/2010/main" val="0"/>
+              </a:ext>
+            </a:extLst>
+          </a:blip>
+          <a:stretch>
+            <a:fillRect/>
+          </a:stretch>
+        </p:blipFill>
+        <p:spPr>
+          <a:xfrm>
             <a:off x="2113876" y="6799723"/>
             <a:ext cx="389333" cy="242667"/>
+          </a:xfrm>
+          <a:prstGeom prst="rect">
+            <a:avLst/>
+          </a:prstGeom>
+        </p:spPr>
+      </p:pic>
+      <p:pic>
+        <p:nvPicPr>
+          <p:cNvPr id="80" name="Content Placeholder 3"/>
+          <p:cNvPicPr>
+            <a:picLocks noChangeAspect="1"/>
+          </p:cNvPicPr>
+          <p:nvPr/>
+        </p:nvPicPr>
+        <p:blipFill rotWithShape="1">
+          <a:blip r:embed="rId64">
+            <a:extLst>
+              <a:ext uri="{BEBA8EAE-BF5A-486C-A8C5-ECC9F3942E4B}">
+                <a14:imgProps xmlns:a14="http://schemas.microsoft.com/office/drawing/2010/main">
+                  <a14:imgLayer r:embed="rId65">
+                    <a14:imgEffect>
+                      <a14:backgroundRemoval t="75268" b="88704" l="13777" r="94062"/>
+                    </a14:imgEffect>
+                  </a14:imgLayer>
+                </a14:imgProps>
+              </a:ext>
+              <a:ext uri="{28A0092B-C50C-407E-A947-70E740481C1C}">
+                <a14:useLocalDpi xmlns:a14="http://schemas.microsoft.com/office/drawing/2010/main" val="0"/>
+              </a:ext>
+            </a:extLst>
+          </a:blip>
+          <a:srcRect l="13269" t="74206" r="4523" b="10908"/>
+          <a:stretch/>
+        </p:blipFill>
+        <p:spPr>
+          <a:xfrm>
+            <a:off x="15351252" y="11424666"/>
+            <a:ext cx="3581400" cy="647701"/>
+          </a:xfrm>
+          <a:prstGeom prst="rect">
+            <a:avLst/>
+          </a:prstGeom>
+        </p:spPr>
+      </p:pic>
+      <p:pic>
+        <p:nvPicPr>
+          <p:cNvPr id="82" name="Picture 81"/>
+          <p:cNvPicPr>
+            <a:picLocks noChangeAspect="1"/>
+          </p:cNvPicPr>
+          <p:nvPr>
+            <p:custDataLst>
+              <p:tags r:id="rId25"/>
+            </p:custDataLst>
+          </p:nvPr>
+        </p:nvPicPr>
+        <p:blipFill>
+          <a:blip r:embed="rId66">
+            <a:extLst>
+              <a:ext uri="{28A0092B-C50C-407E-A947-70E740481C1C}">
+                <a14:useLocalDpi xmlns:a14="http://schemas.microsoft.com/office/drawing/2010/main" val="0"/>
+              </a:ext>
+            </a:extLst>
+          </a:blip>
+          <a:stretch>
+            <a:fillRect/>
+          </a:stretch>
+        </p:blipFill>
+        <p:spPr>
+          <a:xfrm>
+            <a:off x="15741025" y="12072367"/>
+            <a:ext cx="2979048" cy="255238"/>
+          </a:xfrm>
+          <a:prstGeom prst="rect">
+            <a:avLst/>
+          </a:prstGeom>
+        </p:spPr>
+      </p:pic>
+      <p:pic>
+        <p:nvPicPr>
+          <p:cNvPr id="83" name="Picture 82"/>
+          <p:cNvPicPr>
+            <a:picLocks noChangeAspect="1"/>
+          </p:cNvPicPr>
+          <p:nvPr>
+            <p:custDataLst>
+              <p:tags r:id="rId26"/>
+            </p:custDataLst>
+          </p:nvPr>
+        </p:nvPicPr>
+        <p:blipFill>
+          <a:blip r:embed="rId38">
+            <a:extLst>
+              <a:ext uri="{28A0092B-C50C-407E-A947-70E740481C1C}">
+                <a14:useLocalDpi xmlns:a14="http://schemas.microsoft.com/office/drawing/2010/main" val="0"/>
+              </a:ext>
+            </a:extLst>
+          </a:blip>
+          <a:stretch>
+            <a:fillRect/>
+          </a:stretch>
+        </p:blipFill>
+        <p:spPr>
+          <a:xfrm>
+            <a:off x="15465388" y="11760823"/>
+            <a:ext cx="108571" cy="175238"/>
+          </a:xfrm>
+          <a:prstGeom prst="rect">
+            <a:avLst/>
+          </a:prstGeom>
+        </p:spPr>
+      </p:pic>
+      <p:pic>
+        <p:nvPicPr>
+          <p:cNvPr id="84" name="Picture 83"/>
+          <p:cNvPicPr>
+            <a:picLocks noChangeAspect="1"/>
+          </p:cNvPicPr>
+          <p:nvPr>
+            <p:custDataLst>
+              <p:tags r:id="rId27"/>
+            </p:custDataLst>
+          </p:nvPr>
+        </p:nvPicPr>
+        <p:blipFill>
+          <a:blip r:embed="rId67">
+            <a:extLst>
+              <a:ext uri="{28A0092B-C50C-407E-A947-70E740481C1C}">
+                <a14:useLocalDpi xmlns:a14="http://schemas.microsoft.com/office/drawing/2010/main" val="0"/>
+              </a:ext>
+            </a:extLst>
+          </a:blip>
+          <a:stretch>
+            <a:fillRect/>
+          </a:stretch>
+        </p:blipFill>
+        <p:spPr>
+          <a:xfrm>
+            <a:off x="18569597" y="11760823"/>
+            <a:ext cx="300952" cy="175238"/>
+          </a:xfrm>
+          <a:prstGeom prst="rect">
+            <a:avLst/>
+          </a:prstGeom>
+        </p:spPr>
+      </p:pic>
+      <p:pic>
+        <p:nvPicPr>
+          <p:cNvPr id="86" name="Picture 85"/>
+          <p:cNvPicPr>
+            <a:picLocks noChangeAspect="1"/>
+          </p:cNvPicPr>
+          <p:nvPr>
+            <p:custDataLst>
+              <p:tags r:id="rId28"/>
+            </p:custDataLst>
+          </p:nvPr>
+        </p:nvPicPr>
+        <p:blipFill>
+          <a:blip r:embed="rId68">
+            <a:extLst>
+              <a:ext uri="{28A0092B-C50C-407E-A947-70E740481C1C}">
+                <a14:useLocalDpi xmlns:a14="http://schemas.microsoft.com/office/drawing/2010/main" val="0"/>
+              </a:ext>
+            </a:extLst>
+          </a:blip>
+          <a:stretch>
+            <a:fillRect/>
+          </a:stretch>
+        </p:blipFill>
+        <p:spPr>
+          <a:xfrm>
+            <a:off x="16888606" y="11772254"/>
+            <a:ext cx="426667" cy="177143"/>
           </a:xfrm>
           <a:prstGeom prst="rect">
             <a:avLst/>
@@ -5940,28 +5974,28 @@
 
 <file path=ppt/tags/tag16.xml><?xml version="1.0" encoding="utf-8"?>
 <p:tagLst xmlns:a="http://schemas.openxmlformats.org/drawingml/2006/main" xmlns:r="http://schemas.openxmlformats.org/officeDocument/2006/relationships" xmlns:p="http://schemas.openxmlformats.org/presentationml/2006/main">
-  <p:tag name="LATEXADDIN" val="\documentclass{article}&#10;\usepackage{amsmath}&#10;\pagestyle{empty}&#10;\begin{document}&#10;&#10;&#10;$0$&#10;&#10;\end{document}"/>
-  <p:tag name="IGUANATEXSIZE" val="20"/>
+  <p:tag name="LATEXADDIN" val="\documentclass{article}&#10;\usepackage{amsmath}&#10;\pagestyle{empty}&#10;\begin{document}&#10;&#10;&#10;$\Delta \varphi = \pi/2$&#10;&#10;\end{document}"/>
+  <p:tag name="IGUANATEXSIZE" val="28"/>
 </p:tagLst>
 </file>
 
 <file path=ppt/tags/tag17.xml><?xml version="1.0" encoding="utf-8"?>
 <p:tagLst xmlns:a="http://schemas.openxmlformats.org/drawingml/2006/main" xmlns:r="http://schemas.openxmlformats.org/officeDocument/2006/relationships" xmlns:p="http://schemas.openxmlformats.org/presentationml/2006/main">
-  <p:tag name="LATEXADDIN" val="\documentclass{article}&#10;\usepackage{amsmath}&#10;\pagestyle{empty}&#10;\begin{document}&#10;&#10;&#10;0.5&#10;&#10;\end{document}"/>
-  <p:tag name="IGUANATEXSIZE" val="20"/>
+  <p:tag name="LATEXADDIN" val="\documentclass{article}&#10;\usepackage{amsmath}&#10;\pagestyle{empty}&#10;\begin{document}&#10;&#10;&#10;$\Delta \varphi = 0$&#10;&#10;\end{document}"/>
+  <p:tag name="IGUANATEXSIZE" val="28"/>
 </p:tagLst>
 </file>
 
 <file path=ppt/tags/tag18.xml><?xml version="1.0" encoding="utf-8"?>
 <p:tagLst xmlns:a="http://schemas.openxmlformats.org/drawingml/2006/main" xmlns:r="http://schemas.openxmlformats.org/officeDocument/2006/relationships" xmlns:p="http://schemas.openxmlformats.org/presentationml/2006/main">
-  <p:tag name="LATEXADDIN" val="\documentclass{article}&#10;\usepackage{amsmath}&#10;\pagestyle{empty}&#10;\begin{document}&#10;&#10;&#10;0.25&#10;&#10;\end{document}"/>
-  <p:tag name="IGUANATEXSIZE" val="20"/>
+  <p:tag name="LATEXADDIN" val="\documentclass{article}&#10;\usepackage{amsmath}&#10;\pagestyle{empty}&#10;\begin{document}&#10;&#10;&#10;$a_{\mathrm{row,odd}}$&#10;&#10;\end{document}"/>
+  <p:tag name="IGUANATEXSIZE" val="28"/>
 </p:tagLst>
 </file>
 
 <file path=ppt/tags/tag19.xml><?xml version="1.0" encoding="utf-8"?>
 <p:tagLst xmlns:a="http://schemas.openxmlformats.org/drawingml/2006/main" xmlns:r="http://schemas.openxmlformats.org/officeDocument/2006/relationships" xmlns:p="http://schemas.openxmlformats.org/presentationml/2006/main">
-  <p:tag name="LATEXADDIN" val="\documentclass{article}&#10;\usepackage{amsmath}&#10;\pagestyle{empty}&#10;\begin{document}&#10;&#10;&#10;$\Delta \varphi = \pi/2$&#10;&#10;\end{document}"/>
+  <p:tag name="LATEXADDIN" val="\documentclass{article}&#10;\usepackage{amsmath}&#10;\pagestyle{empty}&#10;\begin{document}&#10;&#10;&#10;$a_{\mathrm{row,even}}$&#10;&#10;\end{document}"/>
   <p:tag name="IGUANATEXSIZE" val="28"/>
 </p:tagLst>
 </file>
@@ -5975,57 +6009,64 @@
 
 <file path=ppt/tags/tag20.xml><?xml version="1.0" encoding="utf-8"?>
 <p:tagLst xmlns:a="http://schemas.openxmlformats.org/drawingml/2006/main" xmlns:r="http://schemas.openxmlformats.org/officeDocument/2006/relationships" xmlns:p="http://schemas.openxmlformats.org/presentationml/2006/main">
-  <p:tag name="LATEXADDIN" val="\documentclass{article}&#10;\usepackage{amsmath}&#10;\pagestyle{empty}&#10;\begin{document}&#10;&#10;&#10;$\Delta \varphi = 0$&#10;&#10;\end{document}"/>
+  <p:tag name="LATEXADDIN" val="\documentclass{article}&#10;\usepackage{amsmath}&#10;\pagestyle{empty}&#10;\begin{document}&#10;&#10;&#10;$0$&#10;&#10;\end{document}"/>
   <p:tag name="IGUANATEXSIZE" val="28"/>
 </p:tagLst>
 </file>
 
 <file path=ppt/tags/tag21.xml><?xml version="1.0" encoding="utf-8"?>
 <p:tagLst xmlns:a="http://schemas.openxmlformats.org/drawingml/2006/main" xmlns:r="http://schemas.openxmlformats.org/officeDocument/2006/relationships" xmlns:p="http://schemas.openxmlformats.org/presentationml/2006/main">
-  <p:tag name="LATEXADDIN" val="\documentclass{article}&#10;\usepackage{amsmath}&#10;\pagestyle{empty}&#10;\begin{document}&#10;&#10;&#10;$a_{\mathrm{row,odd}}$&#10;&#10;\end{document}"/>
+  <p:tag name="LATEXADDIN" val="\documentclass{article}&#10;\usepackage{amsmath}&#10;\pagestyle{empty}&#10;\begin{document}&#10;&#10;&#10;$L$&#10;&#10;\end{document}"/>
   <p:tag name="IGUANATEXSIZE" val="28"/>
 </p:tagLst>
 </file>
 
 <file path=ppt/tags/tag22.xml><?xml version="1.0" encoding="utf-8"?>
 <p:tagLst xmlns:a="http://schemas.openxmlformats.org/drawingml/2006/main" xmlns:r="http://schemas.openxmlformats.org/officeDocument/2006/relationships" xmlns:p="http://schemas.openxmlformats.org/presentationml/2006/main">
-  <p:tag name="LATEXADDIN" val="\documentclass{article}&#10;\usepackage{amsmath}&#10;\pagestyle{empty}&#10;\begin{document}&#10;&#10;&#10;$a_{\mathrm{row,even}}$&#10;&#10;\end{document}"/>
+  <p:tag name="LATEXADDIN" val="\documentclass{article}&#10;\usepackage{amsmath}&#10;\pagestyle{empty}&#10;\begin{document}&#10;&#10;&#10;$-L$&#10;&#10;\end{document}"/>
   <p:tag name="IGUANATEXSIZE" val="28"/>
 </p:tagLst>
 </file>
 
 <file path=ppt/tags/tag23.xml><?xml version="1.0" encoding="utf-8"?>
 <p:tagLst xmlns:a="http://schemas.openxmlformats.org/drawingml/2006/main" xmlns:r="http://schemas.openxmlformats.org/officeDocument/2006/relationships" xmlns:p="http://schemas.openxmlformats.org/presentationml/2006/main">
-  <p:tag name="LATEXADDIN" val="\documentclass{article}&#10;\usepackage{amsmath}&#10;\pagestyle{empty}&#10;\begin{document}&#10;&#10;&#10;$0$&#10;&#10;\end{document}"/>
+  <p:tag name="LATEXADDIN" val="\documentclass{article}&#10;\usepackage{amsmath}&#10;\pagestyle{empty}&#10;\begin{document}&#10;&#10;&#10;$-2L$&#10;&#10;\end{document}"/>
   <p:tag name="IGUANATEXSIZE" val="28"/>
 </p:tagLst>
 </file>
 
 <file path=ppt/tags/tag24.xml><?xml version="1.0" encoding="utf-8"?>
 <p:tagLst xmlns:a="http://schemas.openxmlformats.org/drawingml/2006/main" xmlns:r="http://schemas.openxmlformats.org/officeDocument/2006/relationships" xmlns:p="http://schemas.openxmlformats.org/presentationml/2006/main">
-  <p:tag name="LATEXADDIN" val="\documentclass{article}&#10;\usepackage{amsmath}&#10;\pagestyle{empty}&#10;\begin{document}&#10;&#10;&#10;$L$&#10;&#10;\end{document}"/>
+  <p:tag name="LATEXADDIN" val="\documentclass{article}&#10;\usepackage{amsmath}&#10;\pagestyle{empty}&#10;\begin{document}&#10;&#10;&#10;$2L$&#10;&#10;\end{document}"/>
   <p:tag name="IGUANATEXSIZE" val="28"/>
 </p:tagLst>
 </file>
 
 <file path=ppt/tags/tag25.xml><?xml version="1.0" encoding="utf-8"?>
 <p:tagLst xmlns:a="http://schemas.openxmlformats.org/drawingml/2006/main" xmlns:r="http://schemas.openxmlformats.org/officeDocument/2006/relationships" xmlns:p="http://schemas.openxmlformats.org/presentationml/2006/main">
-  <p:tag name="LATEXADDIN" val="\documentclass{article}&#10;\usepackage{amsmath}&#10;\pagestyle{empty}&#10;\begin{document}&#10;&#10;&#10;$-L$&#10;&#10;\end{document}"/>
-  <p:tag name="IGUANATEXSIZE" val="28"/>
+  <p:tag name="LATEXADDIN" val="\documentclass{article}&#10;\usepackage{amsmath}&#10;\pagestyle{empty}&#10;\begin{document}&#10;&#10;\begin{equation*}&#10;%\begin{split}&#10;\mathrm{Current \ density} \&#10;[ek_F\Delta/\pi\hbar]&#10;%\end{split}&#10;\end{equation*}&#10;&#10;\end{document}"/>
+  <p:tag name="IGUANATEXSIZE" val="20"/>
 </p:tagLst>
 </file>
 
 <file path=ppt/tags/tag26.xml><?xml version="1.0" encoding="utf-8"?>
 <p:tagLst xmlns:a="http://schemas.openxmlformats.org/drawingml/2006/main" xmlns:r="http://schemas.openxmlformats.org/officeDocument/2006/relationships" xmlns:p="http://schemas.openxmlformats.org/presentationml/2006/main">
-  <p:tag name="LATEXADDIN" val="\documentclass{article}&#10;\usepackage{amsmath}&#10;\pagestyle{empty}&#10;\begin{document}&#10;&#10;&#10;$-2L$&#10;&#10;\end{document}"/>
-  <p:tag name="IGUANATEXSIZE" val="28"/>
+  <p:tag name="LATEXADDIN" val="\documentclass{article}&#10;\usepackage{amsmath}&#10;\pagestyle{empty}&#10;\begin{document}&#10;&#10;&#10;$0$&#10;&#10;\end{document}"/>
+  <p:tag name="IGUANATEXSIZE" val="20"/>
 </p:tagLst>
 </file>
 
 <file path=ppt/tags/tag27.xml><?xml version="1.0" encoding="utf-8"?>
 <p:tagLst xmlns:a="http://schemas.openxmlformats.org/drawingml/2006/main" xmlns:r="http://schemas.openxmlformats.org/officeDocument/2006/relationships" xmlns:p="http://schemas.openxmlformats.org/presentationml/2006/main">
-  <p:tag name="LATEXADDIN" val="\documentclass{article}&#10;\usepackage{amsmath}&#10;\pagestyle{empty}&#10;\begin{document}&#10;&#10;&#10;$2L$&#10;&#10;\end{document}"/>
-  <p:tag name="IGUANATEXSIZE" val="28"/>
+  <p:tag name="LATEXADDIN" val="\documentclass{article}&#10;\usepackage{amsmath}&#10;\pagestyle{empty}&#10;\begin{document}&#10;&#10;&#10;0.5&#10;&#10;\end{document}"/>
+  <p:tag name="IGUANATEXSIZE" val="20"/>
+</p:tagLst>
+</file>
+
+<file path=ppt/tags/tag28.xml><?xml version="1.0" encoding="utf-8"?>
+<p:tagLst xmlns:a="http://schemas.openxmlformats.org/drawingml/2006/main" xmlns:r="http://schemas.openxmlformats.org/officeDocument/2006/relationships" xmlns:p="http://schemas.openxmlformats.org/presentationml/2006/main">
+  <p:tag name="LATEXADDIN" val="\documentclass{article}&#10;\usepackage{amsmath}&#10;\pagestyle{empty}&#10;\begin{document}&#10;&#10;&#10;0.25&#10;&#10;\end{document}"/>
+  <p:tag name="IGUANATEXSIZE" val="20"/>
 </p:tagLst>
 </file>
 
